--- a/Travel Expert’s Application Demonstration.pptx
+++ b/Travel Expert’s Application Demonstration.pptx
@@ -220,7 +220,7 @@
           <a:p>
             <a:fld id="{762B48F5-BACC-47D6-A0F7-82FBF9C6BC85}" type="datetimeFigureOut">
               <a:rPr lang="en-US"/>
-              <a:t>4/15/2015</a:t>
+              <a:t>4/16/2015</a:t>
             </a:fld>
             <a:endParaRPr/>
           </a:p>
@@ -385,7 +385,7 @@
           <a:p>
             <a:fld id="{0CB1CD00-5424-4675-AB18-2C419B060449}" type="datetimeFigureOut">
               <a:rPr lang="en-US"/>
-              <a:t>4/15/2015</a:t>
+              <a:t>4/16/2015</a:t>
             </a:fld>
             <a:endParaRPr/>
           </a:p>
@@ -1032,7 +1032,7 @@
           <a:p>
             <a:fld id="{37CC0096-1860-4642-9CD2-0079EA5E7CD1}" type="datetimeFigureOut">
               <a:rPr lang="en-US" smtClean="0"/>
-              <a:t>4/15/2015</a:t>
+              <a:t>4/16/2015</a:t>
             </a:fld>
             <a:endParaRPr lang="en-US"/>
           </a:p>
@@ -1227,7 +1227,7 @@
           <a:p>
             <a:fld id="{37CC0096-1860-4642-9CD2-0079EA5E7CD1}" type="datetimeFigureOut">
               <a:rPr lang="en-US" smtClean="0"/>
-              <a:t>4/15/2015</a:t>
+              <a:t>4/16/2015</a:t>
             </a:fld>
             <a:endParaRPr lang="en-US"/>
           </a:p>
@@ -1416,7 +1416,7 @@
           <a:p>
             <a:fld id="{37CC0096-1860-4642-9CD2-0079EA5E7CD1}" type="datetimeFigureOut">
               <a:rPr lang="en-US" smtClean="0"/>
-              <a:t>4/15/2015</a:t>
+              <a:t>4/16/2015</a:t>
             </a:fld>
             <a:endParaRPr lang="en-US"/>
           </a:p>
@@ -1881,7 +1881,7 @@
           <a:p>
             <a:fld id="{37CC0096-1860-4642-9CD2-0079EA5E7CD1}" type="datetimeFigureOut">
               <a:rPr lang="en-US" smtClean="0"/>
-              <a:t>4/15/2015</a:t>
+              <a:t>4/16/2015</a:t>
             </a:fld>
             <a:endParaRPr lang="en-US"/>
           </a:p>
@@ -2336,7 +2336,7 @@
           <a:p>
             <a:fld id="{37CC0096-1860-4642-9CD2-0079EA5E7CD1}" type="datetimeFigureOut">
               <a:rPr lang="en-US" smtClean="0"/>
-              <a:t>4/15/2015</a:t>
+              <a:t>4/16/2015</a:t>
             </a:fld>
             <a:endParaRPr lang="en-US"/>
           </a:p>
@@ -2469,7 +2469,7 @@
           <a:p>
             <a:fld id="{37CC0096-1860-4642-9CD2-0079EA5E7CD1}" type="datetimeFigureOut">
               <a:rPr lang="en-US" smtClean="0"/>
-              <a:t>4/15/2015</a:t>
+              <a:t>4/16/2015</a:t>
             </a:fld>
             <a:endParaRPr lang="en-US"/>
           </a:p>
@@ -2579,7 +2579,7 @@
           <a:p>
             <a:fld id="{37CC0096-1860-4642-9CD2-0079EA5E7CD1}" type="datetimeFigureOut">
               <a:rPr lang="en-US" smtClean="0"/>
-              <a:t>4/15/2015</a:t>
+              <a:t>4/16/2015</a:t>
             </a:fld>
             <a:endParaRPr lang="en-US"/>
           </a:p>
@@ -2878,7 +2878,7 @@
           <a:p>
             <a:fld id="{37CC0096-1860-4642-9CD2-0079EA5E7CD1}" type="datetimeFigureOut">
               <a:rPr lang="en-US" smtClean="0"/>
-              <a:t>4/15/2015</a:t>
+              <a:t>4/16/2015</a:t>
             </a:fld>
             <a:endParaRPr lang="en-US"/>
           </a:p>
@@ -3206,7 +3206,7 @@
           <a:p>
             <a:fld id="{37CC0096-1860-4642-9CD2-0079EA5E7CD1}" type="datetimeFigureOut">
               <a:rPr lang="en-US" smtClean="0"/>
-              <a:t>4/15/2015</a:t>
+              <a:t>4/16/2015</a:t>
             </a:fld>
             <a:endParaRPr lang="en-US"/>
           </a:p>
@@ -3435,7 +3435,7 @@
             <a:fld id="{37CC0096-1860-4642-9CD2-0079EA5E7CD1}" type="datetimeFigureOut">
               <a:rPr lang="en-US"/>
               <a:pPr/>
-              <a:t>4/15/2015</a:t>
+              <a:t>4/16/2015</a:t>
             </a:fld>
             <a:endParaRPr/>
           </a:p>
@@ -4175,12 +4175,16 @@
           </a:p>
           <a:p>
             <a:r>
-              <a:rPr lang="en-US" b="1" dirty="0" smtClean="0"/>
+              <a:rPr lang="en-US" b="1" smtClean="0"/>
               <a:t>	</a:t>
             </a:r>
             <a:r>
+              <a:rPr lang="en-US" sz="2400" b="1" smtClean="0"/>
+              <a:t>Awesome </a:t>
+            </a:r>
+            <a:r>
               <a:rPr lang="en-US" sz="2400" b="1" dirty="0" smtClean="0"/>
-              <a:t>Associated Boss</a:t>
+              <a:t>Boss</a:t>
             </a:r>
             <a:endParaRPr lang="en-US" b="1" dirty="0"/>
           </a:p>
@@ -4597,11 +4601,11 @@
   <p:clrMapOvr>
     <a:masterClrMapping/>
   </p:clrMapOvr>
-  <mc:AlternateContent xmlns:mc="http://schemas.openxmlformats.org/markup-compatibility/2006">
-    <mc:Choice xmlns:p14="http://schemas.microsoft.com/office/powerpoint/2010/main" Requires="p14">
+  <mc:AlternateContent xmlns:mc="http://schemas.openxmlformats.org/markup-compatibility/2006" xmlns:p14="http://schemas.microsoft.com/office/powerpoint/2010/main">
+    <mc:Choice Requires="p14">
       <p:transition spd="slow" p14:dur="2000"/>
     </mc:Choice>
-    <mc:Fallback>
+    <mc:Fallback xmlns="">
       <p:transition spd="slow"/>
     </mc:Fallback>
   </mc:AlternateContent>
@@ -4757,11 +4761,11 @@
   <p:clrMapOvr>
     <a:masterClrMapping/>
   </p:clrMapOvr>
-  <mc:AlternateContent xmlns:mc="http://schemas.openxmlformats.org/markup-compatibility/2006">
-    <mc:Choice xmlns:p14="http://schemas.microsoft.com/office/powerpoint/2010/main" Requires="p14">
+  <mc:AlternateContent xmlns:mc="http://schemas.openxmlformats.org/markup-compatibility/2006" xmlns:p14="http://schemas.microsoft.com/office/powerpoint/2010/main">
+    <mc:Choice Requires="p14">
       <p:transition spd="slow" p14:dur="2000"/>
     </mc:Choice>
-    <mc:Fallback>
+    <mc:Fallback xmlns="">
       <p:transition spd="slow"/>
     </mc:Fallback>
   </mc:AlternateContent>
@@ -5430,11 +5434,11 @@
   <p:clrMapOvr>
     <a:masterClrMapping/>
   </p:clrMapOvr>
-  <mc:AlternateContent xmlns:mc="http://schemas.openxmlformats.org/markup-compatibility/2006">
-    <mc:Choice xmlns:p14="http://schemas.microsoft.com/office/powerpoint/2010/main" Requires="p14">
+  <mc:AlternateContent xmlns:mc="http://schemas.openxmlformats.org/markup-compatibility/2006" xmlns:p14="http://schemas.microsoft.com/office/powerpoint/2010/main">
+    <mc:Choice Requires="p14">
       <p:transition spd="slow" p14:dur="2000"/>
     </mc:Choice>
-    <mc:Fallback>
+    <mc:Fallback xmlns="">
       <p:transition spd="slow"/>
     </mc:Fallback>
   </mc:AlternateContent>
@@ -5657,11 +5661,11 @@
   <p:clrMapOvr>
     <a:masterClrMapping/>
   </p:clrMapOvr>
-  <mc:AlternateContent xmlns:mc="http://schemas.openxmlformats.org/markup-compatibility/2006">
-    <mc:Choice xmlns:p14="http://schemas.microsoft.com/office/powerpoint/2010/main" Requires="p14">
+  <mc:AlternateContent xmlns:mc="http://schemas.openxmlformats.org/markup-compatibility/2006" xmlns:p14="http://schemas.microsoft.com/office/powerpoint/2010/main">
+    <mc:Choice Requires="p14">
       <p:transition spd="slow" p14:dur="2000"/>
     </mc:Choice>
-    <mc:Fallback>
+    <mc:Fallback xmlns="">
       <p:transition spd="slow"/>
     </mc:Fallback>
   </mc:AlternateContent>

--- a/Travel Expert’s Application Demonstration.pptx
+++ b/Travel Expert’s Application Demonstration.pptx
@@ -4106,7 +4106,7 @@
           <a:p>
             <a:r>
               <a:rPr lang="en-US" sz="2400" b="1" dirty="0" smtClean="0"/>
-              <a:t>Boss</a:t>
+              <a:t>Best Boss</a:t>
             </a:r>
             <a:endParaRPr lang="en-US" b="1" dirty="0"/>
           </a:p>
@@ -4254,7 +4254,11 @@
           <a:p>
             <a:r>
               <a:rPr lang="en-US" sz="2400" b="1" dirty="0" smtClean="0"/>
-              <a:t>Great Boss</a:t>
+              <a:t>God </a:t>
+            </a:r>
+            <a:r>
+              <a:rPr lang="en-US" sz="2400" b="1" dirty="0" smtClean="0"/>
+              <a:t>Boss</a:t>
             </a:r>
             <a:endParaRPr lang="en-US" b="1" dirty="0"/>
           </a:p>
@@ -4769,6 +4773,13 @@
       <p:transition spd="slow"/>
     </mc:Fallback>
   </mc:AlternateContent>
+  <p:timing>
+    <p:tnLst>
+      <p:par>
+        <p:cTn id="1" dur="indefinite" restart="never" nodeType="tmRoot"/>
+      </p:par>
+    </p:tnLst>
+  </p:timing>
 </p:sld>
 </file>
 

--- a/Travel Expert’s Application Demonstration.pptx
+++ b/Travel Expert’s Application Demonstration.pptx
@@ -220,7 +220,7 @@
           <a:p>
             <a:fld id="{762B48F5-BACC-47D6-A0F7-82FBF9C6BC85}" type="datetimeFigureOut">
               <a:rPr lang="en-US"/>
-              <a:t>4/16/2015</a:t>
+              <a:t>4/17/2015</a:t>
             </a:fld>
             <a:endParaRPr/>
           </a:p>
@@ -385,7 +385,7 @@
           <a:p>
             <a:fld id="{0CB1CD00-5424-4675-AB18-2C419B060449}" type="datetimeFigureOut">
               <a:rPr lang="en-US"/>
-              <a:t>4/16/2015</a:t>
+              <a:t>4/17/2015</a:t>
             </a:fld>
             <a:endParaRPr/>
           </a:p>
@@ -1032,7 +1032,7 @@
           <a:p>
             <a:fld id="{37CC0096-1860-4642-9CD2-0079EA5E7CD1}" type="datetimeFigureOut">
               <a:rPr lang="en-US" smtClean="0"/>
-              <a:t>4/16/2015</a:t>
+              <a:t>4/17/2015</a:t>
             </a:fld>
             <a:endParaRPr lang="en-US"/>
           </a:p>
@@ -1227,7 +1227,7 @@
           <a:p>
             <a:fld id="{37CC0096-1860-4642-9CD2-0079EA5E7CD1}" type="datetimeFigureOut">
               <a:rPr lang="en-US" smtClean="0"/>
-              <a:t>4/16/2015</a:t>
+              <a:t>4/17/2015</a:t>
             </a:fld>
             <a:endParaRPr lang="en-US"/>
           </a:p>
@@ -1416,7 +1416,7 @@
           <a:p>
             <a:fld id="{37CC0096-1860-4642-9CD2-0079EA5E7CD1}" type="datetimeFigureOut">
               <a:rPr lang="en-US" smtClean="0"/>
-              <a:t>4/16/2015</a:t>
+              <a:t>4/17/2015</a:t>
             </a:fld>
             <a:endParaRPr lang="en-US"/>
           </a:p>
@@ -1881,7 +1881,7 @@
           <a:p>
             <a:fld id="{37CC0096-1860-4642-9CD2-0079EA5E7CD1}" type="datetimeFigureOut">
               <a:rPr lang="en-US" smtClean="0"/>
-              <a:t>4/16/2015</a:t>
+              <a:t>4/17/2015</a:t>
             </a:fld>
             <a:endParaRPr lang="en-US"/>
           </a:p>
@@ -2336,7 +2336,7 @@
           <a:p>
             <a:fld id="{37CC0096-1860-4642-9CD2-0079EA5E7CD1}" type="datetimeFigureOut">
               <a:rPr lang="en-US" smtClean="0"/>
-              <a:t>4/16/2015</a:t>
+              <a:t>4/17/2015</a:t>
             </a:fld>
             <a:endParaRPr lang="en-US"/>
           </a:p>
@@ -2469,7 +2469,7 @@
           <a:p>
             <a:fld id="{37CC0096-1860-4642-9CD2-0079EA5E7CD1}" type="datetimeFigureOut">
               <a:rPr lang="en-US" smtClean="0"/>
-              <a:t>4/16/2015</a:t>
+              <a:t>4/17/2015</a:t>
             </a:fld>
             <a:endParaRPr lang="en-US"/>
           </a:p>
@@ -2579,7 +2579,7 @@
           <a:p>
             <a:fld id="{37CC0096-1860-4642-9CD2-0079EA5E7CD1}" type="datetimeFigureOut">
               <a:rPr lang="en-US" smtClean="0"/>
-              <a:t>4/16/2015</a:t>
+              <a:t>4/17/2015</a:t>
             </a:fld>
             <a:endParaRPr lang="en-US"/>
           </a:p>
@@ -2878,7 +2878,7 @@
           <a:p>
             <a:fld id="{37CC0096-1860-4642-9CD2-0079EA5E7CD1}" type="datetimeFigureOut">
               <a:rPr lang="en-US" smtClean="0"/>
-              <a:t>4/16/2015</a:t>
+              <a:t>4/17/2015</a:t>
             </a:fld>
             <a:endParaRPr lang="en-US"/>
           </a:p>
@@ -3206,7 +3206,7 @@
           <a:p>
             <a:fld id="{37CC0096-1860-4642-9CD2-0079EA5E7CD1}" type="datetimeFigureOut">
               <a:rPr lang="en-US" smtClean="0"/>
-              <a:t>4/16/2015</a:t>
+              <a:t>4/17/2015</a:t>
             </a:fld>
             <a:endParaRPr lang="en-US"/>
           </a:p>
@@ -3435,7 +3435,7 @@
             <a:fld id="{37CC0096-1860-4642-9CD2-0079EA5E7CD1}" type="datetimeFigureOut">
               <a:rPr lang="en-US"/>
               <a:pPr/>
-              <a:t>4/16/2015</a:t>
+              <a:t>4/17/2015</a:t>
             </a:fld>
             <a:endParaRPr/>
           </a:p>
@@ -4254,11 +4254,7 @@
           <a:p>
             <a:r>
               <a:rPr lang="en-US" sz="2400" b="1" dirty="0" smtClean="0"/>
-              <a:t>God </a:t>
-            </a:r>
-            <a:r>
-              <a:rPr lang="en-US" sz="2400" b="1" dirty="0" smtClean="0"/>
-              <a:t>Boss</a:t>
+              <a:t>God Boss</a:t>
             </a:r>
             <a:endParaRPr lang="en-US" b="1" dirty="0"/>
           </a:p>
